--- a/docment/抽象工厂模式.pptx
+++ b/docment/抽象工厂模式.pptx
@@ -4,10 +4,15 @@
   <p:sldMasterIdLst>
     <p:sldMasterId id="2147483648" r:id="rId1"/>
   </p:sldMasterIdLst>
+  <p:handoutMasterIdLst>
+    <p:handoutMasterId r:id="rId7"/>
+  </p:handoutMasterIdLst>
   <p:sldIdLst>
     <p:sldId id="256" r:id="rId2"/>
     <p:sldId id="257" r:id="rId3"/>
     <p:sldId id="258" r:id="rId4"/>
+    <p:sldId id="259" r:id="rId5"/>
+    <p:sldId id="260" r:id="rId6"/>
   </p:sldIdLst>
   <p:sldSz cx="12192000" cy="6858000"/>
   <p:notesSz cx="6858000" cy="9144000"/>
@@ -106,7 +111,201 @@
       </a:defRPr>
     </a:lvl9pPr>
   </p:defaultTextStyle>
+  <p:extLst>
+    <p:ext uri="{EFAFB233-063F-42B5-8137-9DF3F51BA10A}">
+      <p15:sldGuideLst xmlns:p15="http://schemas.microsoft.com/office/powerpoint/2012/main"/>
+    </p:ext>
+  </p:extLst>
 </p:presentation>
+</file>
+
+<file path=ppt/handoutMasters/handoutMaster1.xml><?xml version="1.0" encoding="utf-8"?>
+<p:handoutMaster xmlns:a="http://schemas.openxmlformats.org/drawingml/2006/main" xmlns:r="http://schemas.openxmlformats.org/officeDocument/2006/relationships" xmlns:p="http://schemas.openxmlformats.org/presentationml/2006/main">
+  <p:cSld>
+    <p:bg>
+      <p:bgRef idx="1001">
+        <a:schemeClr val="bg1"/>
+      </p:bgRef>
+    </p:bg>
+    <p:spTree>
+      <p:nvGrpSpPr>
+        <p:cNvPr id="1" name=""/>
+        <p:cNvGrpSpPr/>
+        <p:nvPr/>
+      </p:nvGrpSpPr>
+      <p:grpSpPr>
+        <a:xfrm>
+          <a:off x="0" y="0"/>
+          <a:ext cx="0" cy="0"/>
+          <a:chOff x="0" y="0"/>
+          <a:chExt cx="0" cy="0"/>
+        </a:xfrm>
+      </p:grpSpPr>
+      <p:sp>
+        <p:nvSpPr>
+          <p:cNvPr id="2" name="页眉占位符 1">
+            <a:extLst>
+              <a:ext uri="{FF2B5EF4-FFF2-40B4-BE49-F238E27FC236}">
+                <a16:creationId xmlns:a16="http://schemas.microsoft.com/office/drawing/2014/main" id="{9C81B175-5B7B-0544-9530-438B553C0CBE}"/>
+              </a:ext>
+            </a:extLst>
+          </p:cNvPr>
+          <p:cNvSpPr>
+            <a:spLocks noGrp="1"/>
+          </p:cNvSpPr>
+          <p:nvPr>
+            <p:ph type="hdr" sz="quarter"/>
+          </p:nvPr>
+        </p:nvSpPr>
+        <p:spPr>
+          <a:xfrm>
+            <a:off x="0" y="0"/>
+            <a:ext cx="2971800" cy="458788"/>
+          </a:xfrm>
+          <a:prstGeom prst="rect">
+            <a:avLst/>
+          </a:prstGeom>
+        </p:spPr>
+        <p:txBody>
+          <a:bodyPr vert="horz" lIns="91440" tIns="45720" rIns="91440" bIns="45720" rtlCol="0"/>
+          <a:lstStyle>
+            <a:lvl1pPr algn="l">
+              <a:defRPr sz="1200"/>
+            </a:lvl1pPr>
+          </a:lstStyle>
+          <a:p>
+            <a:endParaRPr kumimoji="1" lang="zh-CN" altLang="en-US"/>
+          </a:p>
+        </p:txBody>
+      </p:sp>
+      <p:sp>
+        <p:nvSpPr>
+          <p:cNvPr id="3" name="日期占位符 2">
+            <a:extLst>
+              <a:ext uri="{FF2B5EF4-FFF2-40B4-BE49-F238E27FC236}">
+                <a16:creationId xmlns:a16="http://schemas.microsoft.com/office/drawing/2014/main" id="{D3704C47-FEFB-F74F-8AD3-181C22B185A8}"/>
+              </a:ext>
+            </a:extLst>
+          </p:cNvPr>
+          <p:cNvSpPr>
+            <a:spLocks noGrp="1"/>
+          </p:cNvSpPr>
+          <p:nvPr>
+            <p:ph type="dt" sz="quarter" idx="1"/>
+          </p:nvPr>
+        </p:nvSpPr>
+        <p:spPr>
+          <a:xfrm>
+            <a:off x="3884613" y="0"/>
+            <a:ext cx="2971800" cy="458788"/>
+          </a:xfrm>
+          <a:prstGeom prst="rect">
+            <a:avLst/>
+          </a:prstGeom>
+        </p:spPr>
+        <p:txBody>
+          <a:bodyPr vert="horz" lIns="91440" tIns="45720" rIns="91440" bIns="45720" rtlCol="0"/>
+          <a:lstStyle>
+            <a:lvl1pPr algn="r">
+              <a:defRPr sz="1200"/>
+            </a:lvl1pPr>
+          </a:lstStyle>
+          <a:p>
+            <a:fld id="{F7DE296F-8319-514A-BB18-0148E4C9F00D}" type="datetimeFigureOut">
+              <a:rPr kumimoji="1" lang="zh-CN" altLang="en-US" smtClean="0"/>
+              <a:t>2019/6/1</a:t>
+            </a:fld>
+            <a:endParaRPr kumimoji="1" lang="zh-CN" altLang="en-US"/>
+          </a:p>
+        </p:txBody>
+      </p:sp>
+      <p:sp>
+        <p:nvSpPr>
+          <p:cNvPr id="4" name="页脚占位符 3">
+            <a:extLst>
+              <a:ext uri="{FF2B5EF4-FFF2-40B4-BE49-F238E27FC236}">
+                <a16:creationId xmlns:a16="http://schemas.microsoft.com/office/drawing/2014/main" id="{C117F4E2-84ED-834C-9B80-12E0E6A5580C}"/>
+              </a:ext>
+            </a:extLst>
+          </p:cNvPr>
+          <p:cNvSpPr>
+            <a:spLocks noGrp="1"/>
+          </p:cNvSpPr>
+          <p:nvPr>
+            <p:ph type="ftr" sz="quarter" idx="2"/>
+          </p:nvPr>
+        </p:nvSpPr>
+        <p:spPr>
+          <a:xfrm>
+            <a:off x="0" y="8685213"/>
+            <a:ext cx="2971800" cy="458787"/>
+          </a:xfrm>
+          <a:prstGeom prst="rect">
+            <a:avLst/>
+          </a:prstGeom>
+        </p:spPr>
+        <p:txBody>
+          <a:bodyPr vert="horz" lIns="91440" tIns="45720" rIns="91440" bIns="45720" rtlCol="0" anchor="b"/>
+          <a:lstStyle>
+            <a:lvl1pPr algn="l">
+              <a:defRPr sz="1200"/>
+            </a:lvl1pPr>
+          </a:lstStyle>
+          <a:p>
+            <a:endParaRPr kumimoji="1" lang="zh-CN" altLang="en-US"/>
+          </a:p>
+        </p:txBody>
+      </p:sp>
+      <p:sp>
+        <p:nvSpPr>
+          <p:cNvPr id="5" name="灯片编号占位符 4">
+            <a:extLst>
+              <a:ext uri="{FF2B5EF4-FFF2-40B4-BE49-F238E27FC236}">
+                <a16:creationId xmlns:a16="http://schemas.microsoft.com/office/drawing/2014/main" id="{29434616-4845-AE40-8242-7082710CE978}"/>
+              </a:ext>
+            </a:extLst>
+          </p:cNvPr>
+          <p:cNvSpPr>
+            <a:spLocks noGrp="1"/>
+          </p:cNvSpPr>
+          <p:nvPr>
+            <p:ph type="sldNum" sz="quarter" idx="3"/>
+          </p:nvPr>
+        </p:nvSpPr>
+        <p:spPr>
+          <a:xfrm>
+            <a:off x="3884613" y="8685213"/>
+            <a:ext cx="2971800" cy="458787"/>
+          </a:xfrm>
+          <a:prstGeom prst="rect">
+            <a:avLst/>
+          </a:prstGeom>
+        </p:spPr>
+        <p:txBody>
+          <a:bodyPr vert="horz" lIns="91440" tIns="45720" rIns="91440" bIns="45720" rtlCol="0" anchor="b"/>
+          <a:lstStyle>
+            <a:lvl1pPr algn="r">
+              <a:defRPr sz="1200"/>
+            </a:lvl1pPr>
+          </a:lstStyle>
+          <a:p>
+            <a:fld id="{62562D80-986C-E24B-8605-C890D7716DE0}" type="slidenum">
+              <a:rPr kumimoji="1" lang="zh-CN" altLang="en-US" smtClean="0"/>
+              <a:t>‹#›</a:t>
+            </a:fld>
+            <a:endParaRPr kumimoji="1" lang="zh-CN" altLang="en-US"/>
+          </a:p>
+        </p:txBody>
+      </p:sp>
+    </p:spTree>
+    <p:extLst>
+      <p:ext uri="{BB962C8B-B14F-4D97-AF65-F5344CB8AC3E}">
+        <p14:creationId xmlns:p14="http://schemas.microsoft.com/office/powerpoint/2010/main" val="4119714489"/>
+      </p:ext>
+    </p:extLst>
+  </p:cSld>
+  <p:clrMap bg1="lt1" tx1="dk1" bg2="lt2" tx2="dk2" accent1="accent1" accent2="accent2" accent3="accent3" accent4="accent4" accent5="accent5" accent6="accent6" hlink="hlink" folHlink="folHlink"/>
+</p:handoutMaster>
 </file>
 
 <file path=ppt/slideLayouts/slideLayout1.xml><?xml version="1.0" encoding="utf-8"?>
@@ -256,7 +455,7 @@
           <a:p>
             <a:fld id="{60FCC933-1D6B-704F-B4D8-595440ED5713}" type="datetimeFigureOut">
               <a:rPr kumimoji="1" lang="zh-CN" altLang="en-US" smtClean="0"/>
-              <a:t>2019/5/30</a:t>
+              <a:t>2019/6/1</a:t>
             </a:fld>
             <a:endParaRPr kumimoji="1" lang="zh-CN" altLang="en-US"/>
           </a:p>
@@ -429,7 +628,7 @@
           <a:p>
             <a:fld id="{60FCC933-1D6B-704F-B4D8-595440ED5713}" type="datetimeFigureOut">
               <a:rPr kumimoji="1" lang="zh-CN" altLang="en-US" smtClean="0"/>
-              <a:t>2019/5/30</a:t>
+              <a:t>2019/6/1</a:t>
             </a:fld>
             <a:endParaRPr kumimoji="1" lang="zh-CN" altLang="en-US"/>
           </a:p>
@@ -612,7 +811,7 @@
           <a:p>
             <a:fld id="{60FCC933-1D6B-704F-B4D8-595440ED5713}" type="datetimeFigureOut">
               <a:rPr kumimoji="1" lang="zh-CN" altLang="en-US" smtClean="0"/>
-              <a:t>2019/5/30</a:t>
+              <a:t>2019/6/1</a:t>
             </a:fld>
             <a:endParaRPr kumimoji="1" lang="zh-CN" altLang="en-US"/>
           </a:p>
@@ -785,7 +984,7 @@
           <a:p>
             <a:fld id="{60FCC933-1D6B-704F-B4D8-595440ED5713}" type="datetimeFigureOut">
               <a:rPr kumimoji="1" lang="zh-CN" altLang="en-US" smtClean="0"/>
-              <a:t>2019/5/30</a:t>
+              <a:t>2019/6/1</a:t>
             </a:fld>
             <a:endParaRPr kumimoji="1" lang="zh-CN" altLang="en-US"/>
           </a:p>
@@ -1063,7 +1262,7 @@
           <a:p>
             <a:fld id="{60FCC933-1D6B-704F-B4D8-595440ED5713}" type="datetimeFigureOut">
               <a:rPr kumimoji="1" lang="zh-CN" altLang="en-US" smtClean="0"/>
-              <a:t>2019/5/30</a:t>
+              <a:t>2019/6/1</a:t>
             </a:fld>
             <a:endParaRPr kumimoji="1" lang="zh-CN" altLang="en-US"/>
           </a:p>
@@ -1278,7 +1477,7 @@
           <a:p>
             <a:fld id="{60FCC933-1D6B-704F-B4D8-595440ED5713}" type="datetimeFigureOut">
               <a:rPr kumimoji="1" lang="zh-CN" altLang="en-US" smtClean="0"/>
-              <a:t>2019/5/30</a:t>
+              <a:t>2019/6/1</a:t>
             </a:fld>
             <a:endParaRPr kumimoji="1" lang="zh-CN" altLang="en-US"/>
           </a:p>
@@ -1646,7 +1845,7 @@
           <a:p>
             <a:fld id="{60FCC933-1D6B-704F-B4D8-595440ED5713}" type="datetimeFigureOut">
               <a:rPr kumimoji="1" lang="zh-CN" altLang="en-US" smtClean="0"/>
-              <a:t>2019/5/30</a:t>
+              <a:t>2019/6/1</a:t>
             </a:fld>
             <a:endParaRPr kumimoji="1" lang="zh-CN" altLang="en-US"/>
           </a:p>
@@ -1787,7 +1986,7 @@
           <a:p>
             <a:fld id="{60FCC933-1D6B-704F-B4D8-595440ED5713}" type="datetimeFigureOut">
               <a:rPr kumimoji="1" lang="zh-CN" altLang="en-US" smtClean="0"/>
-              <a:t>2019/5/30</a:t>
+              <a:t>2019/6/1</a:t>
             </a:fld>
             <a:endParaRPr kumimoji="1" lang="zh-CN" altLang="en-US"/>
           </a:p>
@@ -1900,7 +2099,7 @@
           <a:p>
             <a:fld id="{60FCC933-1D6B-704F-B4D8-595440ED5713}" type="datetimeFigureOut">
               <a:rPr kumimoji="1" lang="zh-CN" altLang="en-US" smtClean="0"/>
-              <a:t>2019/5/30</a:t>
+              <a:t>2019/6/1</a:t>
             </a:fld>
             <a:endParaRPr kumimoji="1" lang="zh-CN" altLang="en-US"/>
           </a:p>
@@ -2189,7 +2388,7 @@
           <a:p>
             <a:fld id="{60FCC933-1D6B-704F-B4D8-595440ED5713}" type="datetimeFigureOut">
               <a:rPr kumimoji="1" lang="zh-CN" altLang="en-US" smtClean="0"/>
-              <a:t>2019/5/30</a:t>
+              <a:t>2019/6/1</a:t>
             </a:fld>
             <a:endParaRPr kumimoji="1" lang="zh-CN" altLang="en-US"/>
           </a:p>
@@ -2480,7 +2679,7 @@
           <a:p>
             <a:fld id="{60FCC933-1D6B-704F-B4D8-595440ED5713}" type="datetimeFigureOut">
               <a:rPr kumimoji="1" lang="zh-CN" altLang="en-US" smtClean="0"/>
-              <a:t>2019/5/30</a:t>
+              <a:t>2019/6/1</a:t>
             </a:fld>
             <a:endParaRPr kumimoji="1" lang="zh-CN" altLang="en-US"/>
           </a:p>
@@ -2696,7 +2895,7 @@
           <a:p>
             <a:fld id="{60FCC933-1D6B-704F-B4D8-595440ED5713}" type="datetimeFigureOut">
               <a:rPr kumimoji="1" lang="zh-CN" altLang="en-US" smtClean="0"/>
-              <a:t>2019/5/30</a:t>
+              <a:t>2019/6/1</a:t>
             </a:fld>
             <a:endParaRPr kumimoji="1" lang="zh-CN" altLang="en-US"/>
           </a:p>
@@ -3392,10 +3591,484 @@
           </a:p>
         </p:txBody>
       </p:sp>
+      <p:pic>
+        <p:nvPicPr>
+          <p:cNvPr id="4" name="图片 3">
+            <a:extLst>
+              <a:ext uri="{FF2B5EF4-FFF2-40B4-BE49-F238E27FC236}">
+                <a16:creationId xmlns:a16="http://schemas.microsoft.com/office/drawing/2014/main" id="{FBAD7D75-898E-7B44-AD48-29890E6D9494}"/>
+              </a:ext>
+            </a:extLst>
+          </p:cNvPr>
+          <p:cNvPicPr>
+            <a:picLocks noChangeAspect="1"/>
+          </p:cNvPicPr>
+          <p:nvPr/>
+        </p:nvPicPr>
+        <p:blipFill>
+          <a:blip r:embed="rId2"/>
+          <a:stretch>
+            <a:fillRect/>
+          </a:stretch>
+        </p:blipFill>
+        <p:spPr>
+          <a:xfrm>
+            <a:off x="944876" y="1235393"/>
+            <a:ext cx="9740773" cy="4387213"/>
+          </a:xfrm>
+          <a:prstGeom prst="rect">
+            <a:avLst/>
+          </a:prstGeom>
+        </p:spPr>
+      </p:pic>
     </p:spTree>
     <p:extLst>
       <p:ext uri="{BB962C8B-B14F-4D97-AF65-F5344CB8AC3E}">
         <p14:creationId xmlns:p14="http://schemas.microsoft.com/office/powerpoint/2010/main" val="879817067"/>
+      </p:ext>
+    </p:extLst>
+  </p:cSld>
+  <p:clrMapOvr>
+    <a:masterClrMapping/>
+  </p:clrMapOvr>
+</p:sld>
+</file>
+
+<file path=ppt/slides/slide4.xml><?xml version="1.0" encoding="utf-8"?>
+<p:sld xmlns:a="http://schemas.openxmlformats.org/drawingml/2006/main" xmlns:r="http://schemas.openxmlformats.org/officeDocument/2006/relationships" xmlns:p="http://schemas.openxmlformats.org/presentationml/2006/main">
+  <p:cSld>
+    <p:spTree>
+      <p:nvGrpSpPr>
+        <p:cNvPr id="1" name=""/>
+        <p:cNvGrpSpPr/>
+        <p:nvPr/>
+      </p:nvGrpSpPr>
+      <p:grpSpPr>
+        <a:xfrm>
+          <a:off x="0" y="0"/>
+          <a:ext cx="0" cy="0"/>
+          <a:chOff x="0" y="0"/>
+          <a:chExt cx="0" cy="0"/>
+        </a:xfrm>
+      </p:grpSpPr>
+      <p:sp>
+        <p:nvSpPr>
+          <p:cNvPr id="5" name="内容占位符 4">
+            <a:extLst>
+              <a:ext uri="{FF2B5EF4-FFF2-40B4-BE49-F238E27FC236}">
+                <a16:creationId xmlns:a16="http://schemas.microsoft.com/office/drawing/2014/main" id="{04A80518-DA65-F745-AF23-1507BEEAAAB7}"/>
+              </a:ext>
+            </a:extLst>
+          </p:cNvPr>
+          <p:cNvSpPr>
+            <a:spLocks noGrp="1"/>
+          </p:cNvSpPr>
+          <p:nvPr>
+            <p:ph idx="1"/>
+          </p:nvPr>
+        </p:nvSpPr>
+        <p:spPr>
+          <a:xfrm>
+            <a:off x="178676" y="189186"/>
+            <a:ext cx="11175124" cy="5987777"/>
+          </a:xfrm>
+        </p:spPr>
+        <p:txBody>
+          <a:bodyPr>
+            <a:normAutofit/>
+          </a:bodyPr>
+          <a:lstStyle/>
+          <a:p>
+            <a:r>
+              <a:rPr kumimoji="1" lang="zh-CN" altLang="en-US" sz="2400" dirty="0">
+                <a:latin typeface="Kaiti SC" panose="02010600040101010101" pitchFamily="2" charset="-122"/>
+                <a:ea typeface="Kaiti SC" panose="02010600040101010101" pitchFamily="2" charset="-122"/>
+              </a:rPr>
+              <a:t>参与者</a:t>
+            </a:r>
+            <a:endParaRPr kumimoji="1" lang="en-US" altLang="zh-CN" sz="2400" dirty="0">
+              <a:latin typeface="Kaiti SC" panose="02010600040101010101" pitchFamily="2" charset="-122"/>
+              <a:ea typeface="Kaiti SC" panose="02010600040101010101" pitchFamily="2" charset="-122"/>
+            </a:endParaRPr>
+          </a:p>
+          <a:p>
+            <a:pPr lvl="1"/>
+            <a:r>
+              <a:rPr kumimoji="1" lang="en-US" altLang="zh-CN" sz="2000" dirty="0" err="1">
+                <a:latin typeface="Kaiti SC" panose="02010600040101010101" pitchFamily="2" charset="-122"/>
+                <a:ea typeface="Kaiti SC" panose="02010600040101010101" pitchFamily="2" charset="-122"/>
+              </a:rPr>
+              <a:t>AbstractFactory</a:t>
+            </a:r>
+            <a:r>
+              <a:rPr kumimoji="1" lang="zh-CN" altLang="en-US" sz="2000" dirty="0">
+                <a:latin typeface="Kaiti SC" panose="02010600040101010101" pitchFamily="2" charset="-122"/>
+                <a:ea typeface="Kaiti SC" panose="02010600040101010101" pitchFamily="2" charset="-122"/>
+              </a:rPr>
+              <a:t>：声明一个创建抽象对象的操作接口</a:t>
+            </a:r>
+            <a:endParaRPr kumimoji="1" lang="en-US" altLang="zh-CN" sz="2000" dirty="0">
+              <a:latin typeface="Kaiti SC" panose="02010600040101010101" pitchFamily="2" charset="-122"/>
+              <a:ea typeface="Kaiti SC" panose="02010600040101010101" pitchFamily="2" charset="-122"/>
+            </a:endParaRPr>
+          </a:p>
+          <a:p>
+            <a:pPr lvl="1"/>
+            <a:r>
+              <a:rPr kumimoji="1" lang="en-US" altLang="zh-CN" sz="2000" dirty="0" err="1">
+                <a:latin typeface="Kaiti SC" panose="02010600040101010101" pitchFamily="2" charset="-122"/>
+                <a:ea typeface="Kaiti SC" panose="02010600040101010101" pitchFamily="2" charset="-122"/>
+              </a:rPr>
+              <a:t>ConcreteFactory</a:t>
+            </a:r>
+            <a:r>
+              <a:rPr kumimoji="1" lang="zh-CN" altLang="en-US" sz="2000" dirty="0">
+                <a:latin typeface="Kaiti SC" panose="02010600040101010101" pitchFamily="2" charset="-122"/>
+                <a:ea typeface="Kaiti SC" panose="02010600040101010101" pitchFamily="2" charset="-122"/>
+              </a:rPr>
+              <a:t>：实现创建具体产品对象的操作</a:t>
+            </a:r>
+            <a:endParaRPr kumimoji="1" lang="en-US" altLang="zh-CN" sz="2000" dirty="0">
+              <a:latin typeface="Kaiti SC" panose="02010600040101010101" pitchFamily="2" charset="-122"/>
+              <a:ea typeface="Kaiti SC" panose="02010600040101010101" pitchFamily="2" charset="-122"/>
+            </a:endParaRPr>
+          </a:p>
+          <a:p>
+            <a:pPr lvl="1"/>
+            <a:r>
+              <a:rPr kumimoji="1" lang="en-US" altLang="zh-CN" sz="2000" dirty="0" err="1">
+                <a:latin typeface="Kaiti SC" panose="02010600040101010101" pitchFamily="2" charset="-122"/>
+                <a:ea typeface="Kaiti SC" panose="02010600040101010101" pitchFamily="2" charset="-122"/>
+              </a:rPr>
+              <a:t>AbstractProduct</a:t>
+            </a:r>
+            <a:r>
+              <a:rPr kumimoji="1" lang="zh-CN" altLang="en-US" sz="2000" dirty="0">
+                <a:latin typeface="Kaiti SC" panose="02010600040101010101" pitchFamily="2" charset="-122"/>
+                <a:ea typeface="Kaiti SC" panose="02010600040101010101" pitchFamily="2" charset="-122"/>
+              </a:rPr>
+              <a:t>：为一个类产品对象声明一个接口</a:t>
+            </a:r>
+            <a:endParaRPr kumimoji="1" lang="en-US" altLang="zh-CN" sz="2000" dirty="0">
+              <a:latin typeface="Kaiti SC" panose="02010600040101010101" pitchFamily="2" charset="-122"/>
+              <a:ea typeface="Kaiti SC" panose="02010600040101010101" pitchFamily="2" charset="-122"/>
+            </a:endParaRPr>
+          </a:p>
+          <a:p>
+            <a:pPr lvl="1"/>
+            <a:r>
+              <a:rPr kumimoji="1" lang="en-US" altLang="zh-CN" sz="2000" dirty="0" err="1">
+                <a:latin typeface="Kaiti SC" panose="02010600040101010101" pitchFamily="2" charset="-122"/>
+                <a:ea typeface="Kaiti SC" panose="02010600040101010101" pitchFamily="2" charset="-122"/>
+              </a:rPr>
+              <a:t>ConcreteProduct</a:t>
+            </a:r>
+            <a:r>
+              <a:rPr kumimoji="1" lang="zh-CN" altLang="en-US" sz="2000" dirty="0">
+                <a:latin typeface="Kaiti SC" panose="02010600040101010101" pitchFamily="2" charset="-122"/>
+                <a:ea typeface="Kaiti SC" panose="02010600040101010101" pitchFamily="2" charset="-122"/>
+              </a:rPr>
+              <a:t>：定义一个将被相应的具体工厂创建的产品对象</a:t>
+            </a:r>
+            <a:endParaRPr kumimoji="1" lang="en-US" altLang="zh-CN" sz="2000" dirty="0">
+              <a:latin typeface="Kaiti SC" panose="02010600040101010101" pitchFamily="2" charset="-122"/>
+              <a:ea typeface="Kaiti SC" panose="02010600040101010101" pitchFamily="2" charset="-122"/>
+            </a:endParaRPr>
+          </a:p>
+          <a:p>
+            <a:pPr lvl="1"/>
+            <a:endParaRPr kumimoji="1" lang="en-US" altLang="zh-CN" sz="2000" dirty="0">
+              <a:latin typeface="Kaiti SC" panose="02010600040101010101" pitchFamily="2" charset="-122"/>
+              <a:ea typeface="Kaiti SC" panose="02010600040101010101" pitchFamily="2" charset="-122"/>
+            </a:endParaRPr>
+          </a:p>
+        </p:txBody>
+      </p:sp>
+    </p:spTree>
+    <p:extLst>
+      <p:ext uri="{BB962C8B-B14F-4D97-AF65-F5344CB8AC3E}">
+        <p14:creationId xmlns:p14="http://schemas.microsoft.com/office/powerpoint/2010/main" val="3009358720"/>
+      </p:ext>
+    </p:extLst>
+  </p:cSld>
+  <p:clrMapOvr>
+    <a:masterClrMapping/>
+  </p:clrMapOvr>
+</p:sld>
+</file>
+
+<file path=ppt/slides/slide5.xml><?xml version="1.0" encoding="utf-8"?>
+<p:sld xmlns:a="http://schemas.openxmlformats.org/drawingml/2006/main" xmlns:r="http://schemas.openxmlformats.org/officeDocument/2006/relationships" xmlns:p="http://schemas.openxmlformats.org/presentationml/2006/main">
+  <p:cSld>
+    <p:spTree>
+      <p:nvGrpSpPr>
+        <p:cNvPr id="1" name=""/>
+        <p:cNvGrpSpPr/>
+        <p:nvPr/>
+      </p:nvGrpSpPr>
+      <p:grpSpPr>
+        <a:xfrm>
+          <a:off x="0" y="0"/>
+          <a:ext cx="0" cy="0"/>
+          <a:chOff x="0" y="0"/>
+          <a:chExt cx="0" cy="0"/>
+        </a:xfrm>
+      </p:grpSpPr>
+      <p:sp>
+        <p:nvSpPr>
+          <p:cNvPr id="3" name="内容占位符 2">
+            <a:extLst>
+              <a:ext uri="{FF2B5EF4-FFF2-40B4-BE49-F238E27FC236}">
+                <a16:creationId xmlns:a16="http://schemas.microsoft.com/office/drawing/2014/main" id="{8AC2DC27-9B6E-4648-983B-C7F3F39B869C}"/>
+              </a:ext>
+            </a:extLst>
+          </p:cNvPr>
+          <p:cNvSpPr>
+            <a:spLocks noGrp="1"/>
+          </p:cNvSpPr>
+          <p:nvPr>
+            <p:ph idx="1"/>
+          </p:nvPr>
+        </p:nvSpPr>
+        <p:spPr>
+          <a:xfrm>
+            <a:off x="157655" y="168166"/>
+            <a:ext cx="11196145" cy="6008797"/>
+          </a:xfrm>
+        </p:spPr>
+        <p:txBody>
+          <a:bodyPr>
+            <a:normAutofit/>
+          </a:bodyPr>
+          <a:lstStyle/>
+          <a:p>
+            <a:r>
+              <a:rPr kumimoji="1" lang="zh-CN" altLang="en-US" sz="2400" dirty="0">
+                <a:latin typeface="Kaiti SC" panose="02010600040101010101" pitchFamily="2" charset="-122"/>
+                <a:ea typeface="Kaiti SC" panose="02010600040101010101" pitchFamily="2" charset="-122"/>
+              </a:rPr>
+              <a:t>优点：</a:t>
+            </a:r>
+            <a:endParaRPr kumimoji="1" lang="en-US" altLang="zh-CN" sz="2400" dirty="0">
+              <a:latin typeface="Kaiti SC" panose="02010600040101010101" pitchFamily="2" charset="-122"/>
+              <a:ea typeface="Kaiti SC" panose="02010600040101010101" pitchFamily="2" charset="-122"/>
+            </a:endParaRPr>
+          </a:p>
+          <a:p>
+            <a:pPr lvl="1"/>
+            <a:r>
+              <a:rPr kumimoji="1" lang="zh-CN" altLang="en-US" sz="2000" dirty="0">
+                <a:latin typeface="Kaiti SC" panose="02010600040101010101" pitchFamily="2" charset="-122"/>
+                <a:ea typeface="Kaiti SC" panose="02010600040101010101" pitchFamily="2" charset="-122"/>
+              </a:rPr>
+              <a:t>分离了具体的类</a:t>
+            </a:r>
+            <a:r>
+              <a:rPr kumimoji="1" lang="en-US" altLang="zh-CN" sz="2000" dirty="0">
+                <a:latin typeface="Kaiti SC" panose="02010600040101010101" pitchFamily="2" charset="-122"/>
+                <a:ea typeface="Kaiti SC" panose="02010600040101010101" pitchFamily="2" charset="-122"/>
+              </a:rPr>
+              <a:t>		Abstract</a:t>
+            </a:r>
+            <a:r>
+              <a:rPr kumimoji="1" lang="zh-CN" altLang="en-US" sz="2000" dirty="0">
+                <a:latin typeface="Kaiti SC" panose="02010600040101010101" pitchFamily="2" charset="-122"/>
+                <a:ea typeface="Kaiti SC" panose="02010600040101010101" pitchFamily="2" charset="-122"/>
+              </a:rPr>
+              <a:t> </a:t>
+            </a:r>
+            <a:r>
+              <a:rPr kumimoji="1" lang="en-US" altLang="zh-CN" sz="2000" dirty="0">
+                <a:latin typeface="Kaiti SC" panose="02010600040101010101" pitchFamily="2" charset="-122"/>
+                <a:ea typeface="Kaiti SC" panose="02010600040101010101" pitchFamily="2" charset="-122"/>
+              </a:rPr>
+              <a:t>Factory</a:t>
+            </a:r>
+            <a:r>
+              <a:rPr kumimoji="1" lang="zh-CN" altLang="en-US" sz="2000" dirty="0">
+                <a:latin typeface="Kaiti SC" panose="02010600040101010101" pitchFamily="2" charset="-122"/>
+                <a:ea typeface="Kaiti SC" panose="02010600040101010101" pitchFamily="2" charset="-122"/>
+              </a:rPr>
+              <a:t>模式帮助控制一个应用创建的对象的类。因为一个工厂封装创建产品对象的责任和过程，它将客户与类的实现分离。客户通过他们的抽象接口操纵实例。产品的类名也在具体工厂的实现中被分离；他们不出现在客户代码中</a:t>
+            </a:r>
+            <a:endParaRPr kumimoji="1" lang="en-US" altLang="zh-CN" sz="2000" dirty="0">
+              <a:latin typeface="Kaiti SC" panose="02010600040101010101" pitchFamily="2" charset="-122"/>
+              <a:ea typeface="Kaiti SC" panose="02010600040101010101" pitchFamily="2" charset="-122"/>
+            </a:endParaRPr>
+          </a:p>
+          <a:p>
+            <a:pPr lvl="1"/>
+            <a:r>
+              <a:rPr kumimoji="1" lang="zh-CN" altLang="en-US" sz="2000" dirty="0">
+                <a:latin typeface="Kaiti SC" panose="02010600040101010101" pitchFamily="2" charset="-122"/>
+                <a:ea typeface="Kaiti SC" panose="02010600040101010101" pitchFamily="2" charset="-122"/>
+              </a:rPr>
+              <a:t>使得易于交换产品系列</a:t>
+            </a:r>
+            <a:r>
+              <a:rPr kumimoji="1" lang="en-US" altLang="zh-CN" sz="2000" dirty="0">
+                <a:latin typeface="Kaiti SC" panose="02010600040101010101" pitchFamily="2" charset="-122"/>
+                <a:ea typeface="Kaiti SC" panose="02010600040101010101" pitchFamily="2" charset="-122"/>
+              </a:rPr>
+              <a:t>		</a:t>
+            </a:r>
+            <a:r>
+              <a:rPr kumimoji="1" lang="zh-CN" altLang="en-US" sz="2000" dirty="0">
+                <a:latin typeface="Kaiti SC" panose="02010600040101010101" pitchFamily="2" charset="-122"/>
+                <a:ea typeface="Kaiti SC" panose="02010600040101010101" pitchFamily="2" charset="-122"/>
+              </a:rPr>
+              <a:t>一个具体工厂类在一个应用中仅出现一次</a:t>
+            </a:r>
+            <a:r>
+              <a:rPr kumimoji="1" lang="en-US" altLang="zh-CN" sz="2000" dirty="0">
+                <a:latin typeface="Kaiti SC" panose="02010600040101010101" pitchFamily="2" charset="-122"/>
+                <a:ea typeface="Kaiti SC" panose="02010600040101010101" pitchFamily="2" charset="-122"/>
+              </a:rPr>
+              <a:t>—</a:t>
+            </a:r>
+            <a:r>
+              <a:rPr kumimoji="1" lang="zh-CN" altLang="en-US" sz="2000" dirty="0">
+                <a:latin typeface="Kaiti SC" panose="02010600040101010101" pitchFamily="2" charset="-122"/>
+                <a:ea typeface="Kaiti SC" panose="02010600040101010101" pitchFamily="2" charset="-122"/>
+              </a:rPr>
+              <a:t>即在它初始化的时候。这是的改变一个应用的具体工厂变得很容易。它只需修改具体的工厂即可使用不同的产品配置，这是因为一个抽象工厂创建了一个完整的产品系列，所以整个产品系列会立刻改变</a:t>
+            </a:r>
+            <a:endParaRPr kumimoji="1" lang="en-US" altLang="zh-CN" sz="2000" dirty="0">
+              <a:latin typeface="Kaiti SC" panose="02010600040101010101" pitchFamily="2" charset="-122"/>
+              <a:ea typeface="Kaiti SC" panose="02010600040101010101" pitchFamily="2" charset="-122"/>
+            </a:endParaRPr>
+          </a:p>
+          <a:p>
+            <a:pPr lvl="1"/>
+            <a:r>
+              <a:rPr kumimoji="1" lang="zh-CN" altLang="en-US" sz="2000" dirty="0">
+                <a:latin typeface="Kaiti SC" panose="02010600040101010101" pitchFamily="2" charset="-122"/>
+                <a:ea typeface="Kaiti SC" panose="02010600040101010101" pitchFamily="2" charset="-122"/>
+              </a:rPr>
+              <a:t>有利于产品的一致性</a:t>
+            </a:r>
+            <a:r>
+              <a:rPr kumimoji="1" lang="en-US" altLang="zh-CN" sz="2000" dirty="0">
+                <a:latin typeface="Kaiti SC" panose="02010600040101010101" pitchFamily="2" charset="-122"/>
+                <a:ea typeface="Kaiti SC" panose="02010600040101010101" pitchFamily="2" charset="-122"/>
+              </a:rPr>
+              <a:t>	</a:t>
+            </a:r>
+            <a:r>
+              <a:rPr kumimoji="1" lang="zh-CN" altLang="en-US" sz="2000" dirty="0">
+                <a:latin typeface="Kaiti SC" panose="02010600040101010101" pitchFamily="2" charset="-122"/>
+                <a:ea typeface="Kaiti SC" panose="02010600040101010101" pitchFamily="2" charset="-122"/>
+              </a:rPr>
+              <a:t>当一个系列中的产品被设计成一起工作时，一个应用一次只能使用同一个系列中的对象，这一点很重要。而</a:t>
+            </a:r>
+            <a:r>
+              <a:rPr kumimoji="1" lang="en-US" altLang="zh-CN" sz="2000" dirty="0" err="1">
+                <a:latin typeface="Kaiti SC" panose="02010600040101010101" pitchFamily="2" charset="-122"/>
+                <a:ea typeface="Kaiti SC" panose="02010600040101010101" pitchFamily="2" charset="-122"/>
+              </a:rPr>
+              <a:t>AbstractFactory</a:t>
+            </a:r>
+            <a:r>
+              <a:rPr kumimoji="1" lang="zh-CN" altLang="en-US" sz="2000" dirty="0">
+                <a:latin typeface="Kaiti SC" panose="02010600040101010101" pitchFamily="2" charset="-122"/>
+                <a:ea typeface="Kaiti SC" panose="02010600040101010101" pitchFamily="2" charset="-122"/>
+              </a:rPr>
+              <a:t>很容易实现这一点</a:t>
+            </a:r>
+            <a:endParaRPr kumimoji="1" lang="en-US" altLang="zh-CN" sz="2000" dirty="0">
+              <a:latin typeface="Kaiti SC" panose="02010600040101010101" pitchFamily="2" charset="-122"/>
+              <a:ea typeface="Kaiti SC" panose="02010600040101010101" pitchFamily="2" charset="-122"/>
+            </a:endParaRPr>
+          </a:p>
+          <a:p>
+            <a:pPr marL="457200" lvl="1" indent="0">
+              <a:buNone/>
+            </a:pPr>
+            <a:endParaRPr kumimoji="1" lang="en-US" altLang="zh-CN" sz="2000" dirty="0">
+              <a:latin typeface="Kaiti SC" panose="02010600040101010101" pitchFamily="2" charset="-122"/>
+              <a:ea typeface="Kaiti SC" panose="02010600040101010101" pitchFamily="2" charset="-122"/>
+            </a:endParaRPr>
+          </a:p>
+          <a:p>
+            <a:pPr marL="228600" lvl="1">
+              <a:spcBef>
+                <a:spcPts val="1000"/>
+              </a:spcBef>
+            </a:pPr>
+            <a:r>
+              <a:rPr kumimoji="1" lang="zh-CN" altLang="en-US" dirty="0">
+                <a:latin typeface="Kaiti SC" panose="02010600040101010101" pitchFamily="2" charset="-122"/>
+                <a:ea typeface="Kaiti SC" panose="02010600040101010101" pitchFamily="2" charset="-122"/>
+              </a:rPr>
+              <a:t>缺点：</a:t>
+            </a:r>
+            <a:endParaRPr kumimoji="1" lang="en-US" altLang="zh-CN" dirty="0">
+              <a:latin typeface="Kaiti SC" panose="02010600040101010101" pitchFamily="2" charset="-122"/>
+              <a:ea typeface="Kaiti SC" panose="02010600040101010101" pitchFamily="2" charset="-122"/>
+            </a:endParaRPr>
+          </a:p>
+          <a:p>
+            <a:pPr marL="800100" lvl="2" indent="-342900"/>
+            <a:r>
+              <a:rPr kumimoji="1" lang="zh-CN" altLang="en-US" dirty="0">
+                <a:latin typeface="Kaiti SC" panose="02010600040101010101" pitchFamily="2" charset="-122"/>
+                <a:ea typeface="Kaiti SC" panose="02010600040101010101" pitchFamily="2" charset="-122"/>
+              </a:rPr>
+              <a:t>难以支持新种类的产品</a:t>
+            </a:r>
+            <a:r>
+              <a:rPr kumimoji="1" lang="en-US" altLang="zh-CN" sz="1600" dirty="0">
+                <a:latin typeface="Kaiti SC" panose="02010600040101010101" pitchFamily="2" charset="-122"/>
+                <a:ea typeface="Kaiti SC" panose="02010600040101010101" pitchFamily="2" charset="-122"/>
+              </a:rPr>
+              <a:t>	</a:t>
+            </a:r>
+            <a:r>
+              <a:rPr kumimoji="1" lang="zh-CN" altLang="en-US" sz="1600" dirty="0">
+                <a:latin typeface="Kaiti SC" panose="02010600040101010101" pitchFamily="2" charset="-122"/>
+                <a:ea typeface="Kaiti SC" panose="02010600040101010101" pitchFamily="2" charset="-122"/>
+              </a:rPr>
+              <a:t> </a:t>
+            </a:r>
+            <a:r>
+              <a:rPr kumimoji="1" lang="zh-CN" altLang="en-US" dirty="0">
+                <a:latin typeface="Kaiti SC" panose="02010600040101010101" pitchFamily="2" charset="-122"/>
+                <a:ea typeface="Kaiti SC" panose="02010600040101010101" pitchFamily="2" charset="-122"/>
+              </a:rPr>
+              <a:t>难以拓展抽象工厂以生成新品种类的产品。因为</a:t>
+            </a:r>
+            <a:r>
+              <a:rPr kumimoji="1" lang="en-US" altLang="zh-CN" dirty="0" err="1">
+                <a:latin typeface="Kaiti SC" panose="02010600040101010101" pitchFamily="2" charset="-122"/>
+                <a:ea typeface="Kaiti SC" panose="02010600040101010101" pitchFamily="2" charset="-122"/>
+              </a:rPr>
+              <a:t>AbstractFactory</a:t>
+            </a:r>
+            <a:r>
+              <a:rPr kumimoji="1" lang="zh-CN" altLang="en-US" dirty="0">
+                <a:latin typeface="Kaiti SC" panose="02010600040101010101" pitchFamily="2" charset="-122"/>
+                <a:ea typeface="Kaiti SC" panose="02010600040101010101" pitchFamily="2" charset="-122"/>
+              </a:rPr>
+              <a:t>接口去定了可以被创建的产品</a:t>
+            </a:r>
+            <a:r>
+              <a:rPr kumimoji="1" lang="zh-CN" altLang="en-US">
+                <a:latin typeface="Kaiti SC" panose="02010600040101010101" pitchFamily="2" charset="-122"/>
+                <a:ea typeface="Kaiti SC" panose="02010600040101010101" pitchFamily="2" charset="-122"/>
+              </a:rPr>
+              <a:t>集合。</a:t>
+            </a:r>
+            <a:endParaRPr kumimoji="1" lang="en-US" altLang="zh-CN" dirty="0">
+              <a:latin typeface="Kaiti SC" panose="02010600040101010101" pitchFamily="2" charset="-122"/>
+              <a:ea typeface="Kaiti SC" panose="02010600040101010101" pitchFamily="2" charset="-122"/>
+            </a:endParaRPr>
+          </a:p>
+        </p:txBody>
+      </p:sp>
+    </p:spTree>
+    <p:extLst>
+      <p:ext uri="{BB962C8B-B14F-4D97-AF65-F5344CB8AC3E}">
+        <p14:creationId xmlns:p14="http://schemas.microsoft.com/office/powerpoint/2010/main" val="3038629779"/>
       </p:ext>
     </p:extLst>
   </p:cSld>
@@ -3698,4 +4371,299 @@
     </a:ext>
   </a:extLst>
 </a:theme>
+</file>
+
+<file path=ppt/theme/theme2.xml><?xml version="1.0" encoding="utf-8"?>
+<a:theme xmlns:a="http://schemas.openxmlformats.org/drawingml/2006/main" name="Office 主题​​">
+  <a:themeElements>
+    <a:clrScheme name="Office">
+      <a:dk1>
+        <a:sysClr val="windowText" lastClr="000000"/>
+      </a:dk1>
+      <a:lt1>
+        <a:sysClr val="window" lastClr="FFFFFF"/>
+      </a:lt1>
+      <a:dk2>
+        <a:srgbClr val="44546A"/>
+      </a:dk2>
+      <a:lt2>
+        <a:srgbClr val="E7E6E6"/>
+      </a:lt2>
+      <a:accent1>
+        <a:srgbClr val="4472C4"/>
+      </a:accent1>
+      <a:accent2>
+        <a:srgbClr val="ED7D31"/>
+      </a:accent2>
+      <a:accent3>
+        <a:srgbClr val="A5A5A5"/>
+      </a:accent3>
+      <a:accent4>
+        <a:srgbClr val="FFC000"/>
+      </a:accent4>
+      <a:accent5>
+        <a:srgbClr val="5B9BD5"/>
+      </a:accent5>
+      <a:accent6>
+        <a:srgbClr val="70AD47"/>
+      </a:accent6>
+      <a:hlink>
+        <a:srgbClr val="0563C1"/>
+      </a:hlink>
+      <a:folHlink>
+        <a:srgbClr val="954F72"/>
+      </a:folHlink>
+    </a:clrScheme>
+    <a:fontScheme name="Office">
+      <a:majorFont>
+        <a:latin typeface="等线 Light" panose="020F0302020204030204"/>
+        <a:ea typeface=""/>
+        <a:cs typeface=""/>
+        <a:font script="Jpan" typeface="游ゴシック Light"/>
+        <a:font script="Hang" typeface="맑은 고딕"/>
+        <a:font script="Hans" typeface="等线 Light"/>
+        <a:font script="Hant" typeface="新細明體"/>
+        <a:font script="Arab" typeface="Times New Roman"/>
+        <a:font script="Hebr" typeface="Times New Roman"/>
+        <a:font script="Thai" typeface="Angsana New"/>
+        <a:font script="Ethi" typeface="Nyala"/>
+        <a:font script="Beng" typeface="Vrinda"/>
+        <a:font script="Gujr" typeface="Shruti"/>
+        <a:font script="Khmr" typeface="MoolBoran"/>
+        <a:font script="Knda" typeface="Tunga"/>
+        <a:font script="Guru" typeface="Raavi"/>
+        <a:font script="Cans" typeface="Euphemia"/>
+        <a:font script="Cher" typeface="Plantagenet Cherokee"/>
+        <a:font script="Yiii" typeface="Microsoft Yi Baiti"/>
+        <a:font script="Tibt" typeface="Microsoft Himalaya"/>
+        <a:font script="Thaa" typeface="MV Boli"/>
+        <a:font script="Deva" typeface="Mangal"/>
+        <a:font script="Telu" typeface="Gautami"/>
+        <a:font script="Taml" typeface="Latha"/>
+        <a:font script="Syrc" typeface="Estrangelo Edessa"/>
+        <a:font script="Orya" typeface="Kalinga"/>
+        <a:font script="Mlym" typeface="Kartika"/>
+        <a:font script="Laoo" typeface="DokChampa"/>
+        <a:font script="Sinh" typeface="Iskoola Pota"/>
+        <a:font script="Mong" typeface="Mongolian Baiti"/>
+        <a:font script="Viet" typeface="Times New Roman"/>
+        <a:font script="Uigh" typeface="Microsoft Uighur"/>
+        <a:font script="Geor" typeface="Sylfaen"/>
+        <a:font script="Armn" typeface="Arial"/>
+        <a:font script="Bugi" typeface="Leelawadee UI"/>
+        <a:font script="Bopo" typeface="Microsoft JhengHei"/>
+        <a:font script="Java" typeface="Javanese Text"/>
+        <a:font script="Lisu" typeface="Segoe UI"/>
+        <a:font script="Mymr" typeface="Myanmar Text"/>
+        <a:font script="Nkoo" typeface="Ebrima"/>
+        <a:font script="Olck" typeface="Nirmala UI"/>
+        <a:font script="Osma" typeface="Ebrima"/>
+        <a:font script="Phag" typeface="Phagspa"/>
+        <a:font script="Syrn" typeface="Estrangelo Edessa"/>
+        <a:font script="Syrj" typeface="Estrangelo Edessa"/>
+        <a:font script="Syre" typeface="Estrangelo Edessa"/>
+        <a:font script="Sora" typeface="Nirmala UI"/>
+        <a:font script="Tale" typeface="Microsoft Tai Le"/>
+        <a:font script="Talu" typeface="Microsoft New Tai Lue"/>
+        <a:font script="Tfng" typeface="Ebrima"/>
+      </a:majorFont>
+      <a:minorFont>
+        <a:latin typeface="等线" panose="020F0502020204030204"/>
+        <a:ea typeface=""/>
+        <a:cs typeface=""/>
+        <a:font script="Jpan" typeface="游ゴシック"/>
+        <a:font script="Hang" typeface="맑은 고딕"/>
+        <a:font script="Hans" typeface="等线"/>
+        <a:font script="Hant" typeface="新細明體"/>
+        <a:font script="Arab" typeface="Arial"/>
+        <a:font script="Hebr" typeface="Arial"/>
+        <a:font script="Thai" typeface="Cordia New"/>
+        <a:font script="Ethi" typeface="Nyala"/>
+        <a:font script="Beng" typeface="Vrinda"/>
+        <a:font script="Gujr" typeface="Shruti"/>
+        <a:font script="Khmr" typeface="DaunPenh"/>
+        <a:font script="Knda" typeface="Tunga"/>
+        <a:font script="Guru" typeface="Raavi"/>
+        <a:font script="Cans" typeface="Euphemia"/>
+        <a:font script="Cher" typeface="Plantagenet Cherokee"/>
+        <a:font script="Yiii" typeface="Microsoft Yi Baiti"/>
+        <a:font script="Tibt" typeface="Microsoft Himalaya"/>
+        <a:font script="Thaa" typeface="MV Boli"/>
+        <a:font script="Deva" typeface="Mangal"/>
+        <a:font script="Telu" typeface="Gautami"/>
+        <a:font script="Taml" typeface="Latha"/>
+        <a:font script="Syrc" typeface="Estrangelo Edessa"/>
+        <a:font script="Orya" typeface="Kalinga"/>
+        <a:font script="Mlym" typeface="Kartika"/>
+        <a:font script="Laoo" typeface="DokChampa"/>
+        <a:font script="Sinh" typeface="Iskoola Pota"/>
+        <a:font script="Mong" typeface="Mongolian Baiti"/>
+        <a:font script="Viet" typeface="Arial"/>
+        <a:font script="Uigh" typeface="Microsoft Uighur"/>
+        <a:font script="Geor" typeface="Sylfaen"/>
+        <a:font script="Armn" typeface="Arial"/>
+        <a:font script="Bugi" typeface="Leelawadee UI"/>
+        <a:font script="Bopo" typeface="Microsoft JhengHei"/>
+        <a:font script="Java" typeface="Javanese Text"/>
+        <a:font script="Lisu" typeface="Segoe UI"/>
+        <a:font script="Mymr" typeface="Myanmar Text"/>
+        <a:font script="Nkoo" typeface="Ebrima"/>
+        <a:font script="Olck" typeface="Nirmala UI"/>
+        <a:font script="Osma" typeface="Ebrima"/>
+        <a:font script="Phag" typeface="Phagspa"/>
+        <a:font script="Syrn" typeface="Estrangelo Edessa"/>
+        <a:font script="Syrj" typeface="Estrangelo Edessa"/>
+        <a:font script="Syre" typeface="Estrangelo Edessa"/>
+        <a:font script="Sora" typeface="Nirmala UI"/>
+        <a:font script="Tale" typeface="Microsoft Tai Le"/>
+        <a:font script="Talu" typeface="Microsoft New Tai Lue"/>
+        <a:font script="Tfng" typeface="Ebrima"/>
+      </a:minorFont>
+    </a:fontScheme>
+    <a:fmtScheme name="Office">
+      <a:fillStyleLst>
+        <a:solidFill>
+          <a:schemeClr val="phClr"/>
+        </a:solidFill>
+        <a:gradFill rotWithShape="1">
+          <a:gsLst>
+            <a:gs pos="0">
+              <a:schemeClr val="phClr">
+                <a:lumMod val="110000"/>
+                <a:satMod val="105000"/>
+                <a:tint val="67000"/>
+              </a:schemeClr>
+            </a:gs>
+            <a:gs pos="50000">
+              <a:schemeClr val="phClr">
+                <a:lumMod val="105000"/>
+                <a:satMod val="103000"/>
+                <a:tint val="73000"/>
+              </a:schemeClr>
+            </a:gs>
+            <a:gs pos="100000">
+              <a:schemeClr val="phClr">
+                <a:lumMod val="105000"/>
+                <a:satMod val="109000"/>
+                <a:tint val="81000"/>
+              </a:schemeClr>
+            </a:gs>
+          </a:gsLst>
+          <a:lin ang="5400000" scaled="0"/>
+        </a:gradFill>
+        <a:gradFill rotWithShape="1">
+          <a:gsLst>
+            <a:gs pos="0">
+              <a:schemeClr val="phClr">
+                <a:satMod val="103000"/>
+                <a:lumMod val="102000"/>
+                <a:tint val="94000"/>
+              </a:schemeClr>
+            </a:gs>
+            <a:gs pos="50000">
+              <a:schemeClr val="phClr">
+                <a:satMod val="110000"/>
+                <a:lumMod val="100000"/>
+                <a:shade val="100000"/>
+              </a:schemeClr>
+            </a:gs>
+            <a:gs pos="100000">
+              <a:schemeClr val="phClr">
+                <a:lumMod val="99000"/>
+                <a:satMod val="120000"/>
+                <a:shade val="78000"/>
+              </a:schemeClr>
+            </a:gs>
+          </a:gsLst>
+          <a:lin ang="5400000" scaled="0"/>
+        </a:gradFill>
+      </a:fillStyleLst>
+      <a:lnStyleLst>
+        <a:ln w="6350" cap="flat" cmpd="sng" algn="ctr">
+          <a:solidFill>
+            <a:schemeClr val="phClr"/>
+          </a:solidFill>
+          <a:prstDash val="solid"/>
+          <a:miter lim="800000"/>
+        </a:ln>
+        <a:ln w="12700" cap="flat" cmpd="sng" algn="ctr">
+          <a:solidFill>
+            <a:schemeClr val="phClr"/>
+          </a:solidFill>
+          <a:prstDash val="solid"/>
+          <a:miter lim="800000"/>
+        </a:ln>
+        <a:ln w="19050" cap="flat" cmpd="sng" algn="ctr">
+          <a:solidFill>
+            <a:schemeClr val="phClr"/>
+          </a:solidFill>
+          <a:prstDash val="solid"/>
+          <a:miter lim="800000"/>
+        </a:ln>
+      </a:lnStyleLst>
+      <a:effectStyleLst>
+        <a:effectStyle>
+          <a:effectLst/>
+        </a:effectStyle>
+        <a:effectStyle>
+          <a:effectLst/>
+        </a:effectStyle>
+        <a:effectStyle>
+          <a:effectLst>
+            <a:outerShdw blurRad="57150" dist="19050" dir="5400000" algn="ctr" rotWithShape="0">
+              <a:srgbClr val="000000">
+                <a:alpha val="63000"/>
+              </a:srgbClr>
+            </a:outerShdw>
+          </a:effectLst>
+        </a:effectStyle>
+      </a:effectStyleLst>
+      <a:bgFillStyleLst>
+        <a:solidFill>
+          <a:schemeClr val="phClr"/>
+        </a:solidFill>
+        <a:solidFill>
+          <a:schemeClr val="phClr">
+            <a:tint val="95000"/>
+            <a:satMod val="170000"/>
+          </a:schemeClr>
+        </a:solidFill>
+        <a:gradFill rotWithShape="1">
+          <a:gsLst>
+            <a:gs pos="0">
+              <a:schemeClr val="phClr">
+                <a:tint val="93000"/>
+                <a:satMod val="150000"/>
+                <a:shade val="98000"/>
+                <a:lumMod val="102000"/>
+              </a:schemeClr>
+            </a:gs>
+            <a:gs pos="50000">
+              <a:schemeClr val="phClr">
+                <a:tint val="98000"/>
+                <a:satMod val="130000"/>
+                <a:shade val="90000"/>
+                <a:lumMod val="103000"/>
+              </a:schemeClr>
+            </a:gs>
+            <a:gs pos="100000">
+              <a:schemeClr val="phClr">
+                <a:shade val="63000"/>
+                <a:satMod val="120000"/>
+              </a:schemeClr>
+            </a:gs>
+          </a:gsLst>
+          <a:lin ang="5400000" scaled="0"/>
+        </a:gradFill>
+      </a:bgFillStyleLst>
+    </a:fmtScheme>
+  </a:themeElements>
+  <a:objectDefaults/>
+  <a:extraClrSchemeLst/>
+  <a:extLst>
+    <a:ext uri="{05A4C25C-085E-4340-85A3-A5531E510DB2}">
+      <thm15:themeFamily xmlns:thm15="http://schemas.microsoft.com/office/thememl/2012/main" name="Office Theme" id="{62F939B6-93AF-4DB8-9C6B-D6C7DFDC589F}" vid="{4A3C46E8-61CC-4603-A589-7422A47A8E4A}"/>
+    </a:ext>
+  </a:extLst>
+</a:theme>
 </file>